--- a/webstory_algo.pptx
+++ b/webstory_algo.pptx
@@ -115,6 +115,11 @@
       </a:defRPr>
     </a:lvl9pPr>
   </p:defaultTextStyle>
+  <p:extLst>
+    <p:ext uri="{EFAFB233-063F-42B5-8137-9DF3F51BA10A}">
+      <p15:sldGuideLst xmlns:p15="http://schemas.microsoft.com/office/powerpoint/2012/main"/>
+    </p:ext>
+  </p:extLst>
 </p:presentation>
 </file>
 
@@ -200,7 +205,7 @@
           <a:p>
             <a:fld id="{B90E3408-15E6-1F45-BAA4-028E207D6E3E}" type="datetimeFigureOut">
               <a:rPr kumimoji="1" lang="ko-KR" altLang="en-US" smtClean="0"/>
-              <a:t>2016. 12. 31.</a:t>
+              <a:t>2017. 1. 13.</a:t>
             </a:fld>
             <a:endParaRPr kumimoji="1" lang="ko-KR" altLang="en-US"/>
           </a:p>
@@ -599,7 +604,7 @@
           <a:p>
             <a:fld id="{EA63DEF1-A367-C64E-A32B-BC81A40F7AAE}" type="datetimeFigureOut">
               <a:rPr kumimoji="1" lang="ko-KR" altLang="en-US" smtClean="0"/>
-              <a:t>2016. 12. 30.</a:t>
+              <a:t>2017. 1. 13.</a:t>
             </a:fld>
             <a:endParaRPr kumimoji="1" lang="ko-KR" altLang="en-US"/>
           </a:p>
@@ -769,7 +774,7 @@
           <a:p>
             <a:fld id="{EA63DEF1-A367-C64E-A32B-BC81A40F7AAE}" type="datetimeFigureOut">
               <a:rPr kumimoji="1" lang="ko-KR" altLang="en-US" smtClean="0"/>
-              <a:t>2016. 12. 30.</a:t>
+              <a:t>2017. 1. 13.</a:t>
             </a:fld>
             <a:endParaRPr kumimoji="1" lang="ko-KR" altLang="en-US"/>
           </a:p>
@@ -949,7 +954,7 @@
           <a:p>
             <a:fld id="{EA63DEF1-A367-C64E-A32B-BC81A40F7AAE}" type="datetimeFigureOut">
               <a:rPr kumimoji="1" lang="ko-KR" altLang="en-US" smtClean="0"/>
-              <a:t>2016. 12. 30.</a:t>
+              <a:t>2017. 1. 13.</a:t>
             </a:fld>
             <a:endParaRPr kumimoji="1" lang="ko-KR" altLang="en-US"/>
           </a:p>
@@ -1119,7 +1124,7 @@
           <a:p>
             <a:fld id="{EA63DEF1-A367-C64E-A32B-BC81A40F7AAE}" type="datetimeFigureOut">
               <a:rPr kumimoji="1" lang="ko-KR" altLang="en-US" smtClean="0"/>
-              <a:t>2016. 12. 30.</a:t>
+              <a:t>2017. 1. 13.</a:t>
             </a:fld>
             <a:endParaRPr kumimoji="1" lang="ko-KR" altLang="en-US"/>
           </a:p>
@@ -1365,7 +1370,7 @@
           <a:p>
             <a:fld id="{EA63DEF1-A367-C64E-A32B-BC81A40F7AAE}" type="datetimeFigureOut">
               <a:rPr kumimoji="1" lang="ko-KR" altLang="en-US" smtClean="0"/>
-              <a:t>2016. 12. 30.</a:t>
+              <a:t>2017. 1. 13.</a:t>
             </a:fld>
             <a:endParaRPr kumimoji="1" lang="ko-KR" altLang="en-US"/>
           </a:p>
@@ -1597,7 +1602,7 @@
           <a:p>
             <a:fld id="{EA63DEF1-A367-C64E-A32B-BC81A40F7AAE}" type="datetimeFigureOut">
               <a:rPr kumimoji="1" lang="ko-KR" altLang="en-US" smtClean="0"/>
-              <a:t>2016. 12. 30.</a:t>
+              <a:t>2017. 1. 13.</a:t>
             </a:fld>
             <a:endParaRPr kumimoji="1" lang="ko-KR" altLang="en-US"/>
           </a:p>
@@ -1964,7 +1969,7 @@
           <a:p>
             <a:fld id="{EA63DEF1-A367-C64E-A32B-BC81A40F7AAE}" type="datetimeFigureOut">
               <a:rPr kumimoji="1" lang="ko-KR" altLang="en-US" smtClean="0"/>
-              <a:t>2016. 12. 30.</a:t>
+              <a:t>2017. 1. 13.</a:t>
             </a:fld>
             <a:endParaRPr kumimoji="1" lang="ko-KR" altLang="en-US"/>
           </a:p>
@@ -2082,7 +2087,7 @@
           <a:p>
             <a:fld id="{EA63DEF1-A367-C64E-A32B-BC81A40F7AAE}" type="datetimeFigureOut">
               <a:rPr kumimoji="1" lang="ko-KR" altLang="en-US" smtClean="0"/>
-              <a:t>2016. 12. 30.</a:t>
+              <a:t>2017. 1. 13.</a:t>
             </a:fld>
             <a:endParaRPr kumimoji="1" lang="ko-KR" altLang="en-US"/>
           </a:p>
@@ -2177,7 +2182,7 @@
           <a:p>
             <a:fld id="{EA63DEF1-A367-C64E-A32B-BC81A40F7AAE}" type="datetimeFigureOut">
               <a:rPr kumimoji="1" lang="ko-KR" altLang="en-US" smtClean="0"/>
-              <a:t>2016. 12. 30.</a:t>
+              <a:t>2017. 1. 13.</a:t>
             </a:fld>
             <a:endParaRPr kumimoji="1" lang="ko-KR" altLang="en-US"/>
           </a:p>
@@ -2454,7 +2459,7 @@
           <a:p>
             <a:fld id="{EA63DEF1-A367-C64E-A32B-BC81A40F7AAE}" type="datetimeFigureOut">
               <a:rPr kumimoji="1" lang="ko-KR" altLang="en-US" smtClean="0"/>
-              <a:t>2016. 12. 30.</a:t>
+              <a:t>2017. 1. 13.</a:t>
             </a:fld>
             <a:endParaRPr kumimoji="1" lang="ko-KR" altLang="en-US"/>
           </a:p>
@@ -2707,7 +2712,7 @@
           <a:p>
             <a:fld id="{EA63DEF1-A367-C64E-A32B-BC81A40F7AAE}" type="datetimeFigureOut">
               <a:rPr kumimoji="1" lang="ko-KR" altLang="en-US" smtClean="0"/>
-              <a:t>2016. 12. 30.</a:t>
+              <a:t>2017. 1. 13.</a:t>
             </a:fld>
             <a:endParaRPr kumimoji="1" lang="ko-KR" altLang="en-US"/>
           </a:p>
@@ -2920,7 +2925,7 @@
           <a:p>
             <a:fld id="{EA63DEF1-A367-C64E-A32B-BC81A40F7AAE}" type="datetimeFigureOut">
               <a:rPr kumimoji="1" lang="ko-KR" altLang="en-US" smtClean="0"/>
-              <a:t>2016. 12. 30.</a:t>
+              <a:t>2017. 1. 13.</a:t>
             </a:fld>
             <a:endParaRPr kumimoji="1" lang="ko-KR" altLang="en-US"/>
           </a:p>
@@ -4597,8 +4602,24 @@
             </a:r>
             <a:r>
               <a:rPr lang="en-US" altLang="ko-KR" sz="1100" dirty="0"/>
-              <a:t> TEXT , refer TEXT)")</a:t>
-            </a:r>
+              <a:t> TEXT , refer TEXT</a:t>
+            </a:r>
+            <a:r>
+              <a:rPr lang="en-US" altLang="ko-KR" sz="1100" dirty="0" smtClean="0"/>
+              <a:t>)")</a:t>
+            </a:r>
+          </a:p>
+          <a:p>
+            <a:pPr marL="0" indent="0">
+              <a:buNone/>
+            </a:pPr>
+            <a:endParaRPr lang="en-US" altLang="ko-KR" sz="1100" dirty="0"/>
+          </a:p>
+          <a:p>
+            <a:pPr marL="0" indent="0">
+              <a:buNone/>
+            </a:pPr>
+            <a:endParaRPr lang="en-US" altLang="ko-KR" sz="1100" smtClean="0"/>
           </a:p>
           <a:p>
             <a:pPr marL="0" indent="0">
